--- a/Aario-PPT/IT/4. 渐进式Restful API开发管理方案.pptx
+++ b/Aario-PPT/IT/4. 渐进式Restful API开发管理方案.pptx
@@ -116,7 +116,7 @@
   </p:defaultTextStyle>
   <p:extLst>
     <p:ext uri="{EFAFB233-063F-42B5-8137-9DF3F51BA10A}">
-      <p15:sldGuideLst xmlns:p15="http://schemas.microsoft.com/office/powerpoint/2012/main"/>
+      <p15:sldGuideLst xmlns:p15="http://schemas.microsoft.com/office/powerpoint/2012/main" xmlns=""/>
     </p:ext>
   </p:extLst>
 </p:presentation>
@@ -253,7 +253,7 @@
           <a:p>
             <a:fld id="{C91FAA6F-C3DE-4EAF-B05D-79DE3B0A7260}" type="datetimeFigureOut">
               <a:rPr lang="zh-CN" altLang="en-US" smtClean="0"/>
-              <a:t>2016/7/31</a:t>
+              <a:t>2016/8/15</a:t>
             </a:fld>
             <a:endParaRPr lang="zh-CN" altLang="en-US"/>
           </a:p>
@@ -423,7 +423,7 @@
           <a:p>
             <a:fld id="{C91FAA6F-C3DE-4EAF-B05D-79DE3B0A7260}" type="datetimeFigureOut">
               <a:rPr lang="zh-CN" altLang="en-US" smtClean="0"/>
-              <a:t>2016/7/31</a:t>
+              <a:t>2016/8/15</a:t>
             </a:fld>
             <a:endParaRPr lang="zh-CN" altLang="en-US"/>
           </a:p>
@@ -603,7 +603,7 @@
           <a:p>
             <a:fld id="{C91FAA6F-C3DE-4EAF-B05D-79DE3B0A7260}" type="datetimeFigureOut">
               <a:rPr lang="zh-CN" altLang="en-US" smtClean="0"/>
-              <a:t>2016/7/31</a:t>
+              <a:t>2016/8/15</a:t>
             </a:fld>
             <a:endParaRPr lang="zh-CN" altLang="en-US"/>
           </a:p>
@@ -773,7 +773,7 @@
           <a:p>
             <a:fld id="{C91FAA6F-C3DE-4EAF-B05D-79DE3B0A7260}" type="datetimeFigureOut">
               <a:rPr lang="zh-CN" altLang="en-US" smtClean="0"/>
-              <a:t>2016/7/31</a:t>
+              <a:t>2016/8/15</a:t>
             </a:fld>
             <a:endParaRPr lang="zh-CN" altLang="en-US"/>
           </a:p>
@@ -1019,7 +1019,7 @@
           <a:p>
             <a:fld id="{C91FAA6F-C3DE-4EAF-B05D-79DE3B0A7260}" type="datetimeFigureOut">
               <a:rPr lang="zh-CN" altLang="en-US" smtClean="0"/>
-              <a:t>2016/7/31</a:t>
+              <a:t>2016/8/15</a:t>
             </a:fld>
             <a:endParaRPr lang="zh-CN" altLang="en-US"/>
           </a:p>
@@ -1251,7 +1251,7 @@
           <a:p>
             <a:fld id="{C91FAA6F-C3DE-4EAF-B05D-79DE3B0A7260}" type="datetimeFigureOut">
               <a:rPr lang="zh-CN" altLang="en-US" smtClean="0"/>
-              <a:t>2016/7/31</a:t>
+              <a:t>2016/8/15</a:t>
             </a:fld>
             <a:endParaRPr lang="zh-CN" altLang="en-US"/>
           </a:p>
@@ -1618,7 +1618,7 @@
           <a:p>
             <a:fld id="{C91FAA6F-C3DE-4EAF-B05D-79DE3B0A7260}" type="datetimeFigureOut">
               <a:rPr lang="zh-CN" altLang="en-US" smtClean="0"/>
-              <a:t>2016/7/31</a:t>
+              <a:t>2016/8/15</a:t>
             </a:fld>
             <a:endParaRPr lang="zh-CN" altLang="en-US"/>
           </a:p>
@@ -1736,7 +1736,7 @@
           <a:p>
             <a:fld id="{C91FAA6F-C3DE-4EAF-B05D-79DE3B0A7260}" type="datetimeFigureOut">
               <a:rPr lang="zh-CN" altLang="en-US" smtClean="0"/>
-              <a:t>2016/7/31</a:t>
+              <a:t>2016/8/15</a:t>
             </a:fld>
             <a:endParaRPr lang="zh-CN" altLang="en-US"/>
           </a:p>
@@ -1831,7 +1831,7 @@
           <a:p>
             <a:fld id="{C91FAA6F-C3DE-4EAF-B05D-79DE3B0A7260}" type="datetimeFigureOut">
               <a:rPr lang="zh-CN" altLang="en-US" smtClean="0"/>
-              <a:t>2016/7/31</a:t>
+              <a:t>2016/8/15</a:t>
             </a:fld>
             <a:endParaRPr lang="zh-CN" altLang="en-US"/>
           </a:p>
@@ -2108,7 +2108,7 @@
           <a:p>
             <a:fld id="{C91FAA6F-C3DE-4EAF-B05D-79DE3B0A7260}" type="datetimeFigureOut">
               <a:rPr lang="zh-CN" altLang="en-US" smtClean="0"/>
-              <a:t>2016/7/31</a:t>
+              <a:t>2016/8/15</a:t>
             </a:fld>
             <a:endParaRPr lang="zh-CN" altLang="en-US"/>
           </a:p>
@@ -2361,7 +2361,7 @@
           <a:p>
             <a:fld id="{C91FAA6F-C3DE-4EAF-B05D-79DE3B0A7260}" type="datetimeFigureOut">
               <a:rPr lang="zh-CN" altLang="en-US" smtClean="0"/>
-              <a:t>2016/7/31</a:t>
+              <a:t>2016/8/15</a:t>
             </a:fld>
             <a:endParaRPr lang="zh-CN" altLang="en-US"/>
           </a:p>
@@ -2574,7 +2574,7 @@
           <a:p>
             <a:fld id="{C91FAA6F-C3DE-4EAF-B05D-79DE3B0A7260}" type="datetimeFigureOut">
               <a:rPr lang="zh-CN" altLang="en-US" smtClean="0"/>
-              <a:t>2016/7/31</a:t>
+              <a:t>2016/8/15</a:t>
             </a:fld>
             <a:endParaRPr lang="zh-CN" altLang="en-US"/>
           </a:p>
@@ -4082,15 +4082,11 @@
             </a:r>
             <a:r>
               <a:rPr lang="zh-CN" altLang="en-US" dirty="0" smtClean="0"/>
-              <a:t>状态码。我们组其他成员对接过微信公众号，</a:t>
-            </a:r>
-            <a:r>
-              <a:rPr lang="zh-CN" altLang="en-US" dirty="0"/>
-              <a:t>微</a:t>
-            </a:r>
-            <a:r>
-              <a:rPr lang="zh-CN" altLang="en-US" dirty="0" smtClean="0"/>
-              <a:t>信的</a:t>
+              <a:t>状态码。我们组其他成员对接过微信公众号</a:t>
+            </a:r>
+            <a:r>
+              <a:rPr lang="zh-CN" altLang="en-US" dirty="0" smtClean="0"/>
+              <a:t>，电信的</a:t>
             </a:r>
             <a:r>
               <a:rPr lang="en-US" altLang="zh-CN" dirty="0" smtClean="0"/>
@@ -5567,7 +5563,7 @@
     </a:clrScheme>
     <a:fontScheme name="Office">
       <a:majorFont>
-        <a:latin typeface="Calibri Light" panose="020F0302020204030204"/>
+        <a:latin typeface="Calibri Light"/>
         <a:ea typeface=""/>
         <a:cs typeface=""/>
         <a:font script="Jpan" typeface="ＭＳ Ｐゴシック"/>
@@ -5602,7 +5598,7 @@
         <a:font script="Geor" typeface="Sylfaen"/>
       </a:majorFont>
       <a:minorFont>
-        <a:latin typeface="Calibri" panose="020F0502020204030204"/>
+        <a:latin typeface="Calibri"/>
         <a:ea typeface=""/>
         <a:cs typeface=""/>
         <a:font script="Jpan" typeface="ＭＳ Ｐゴシック"/>
@@ -5779,7 +5775,7 @@
   <a:extraClrSchemeLst/>
   <a:extLst>
     <a:ext uri="{05A4C25C-085E-4340-85A3-A5531E510DB2}">
-      <thm15:themeFamily xmlns:thm15="http://schemas.microsoft.com/office/thememl/2012/main" name="Office Theme" id="{62F939B6-93AF-4DB8-9C6B-D6C7DFDC589F}" vid="{4A3C46E8-61CC-4603-A589-7422A47A8E4A}"/>
+      <thm15:themeFamily xmlns:thm15="http://schemas.microsoft.com/office/thememl/2012/main" xmlns="" name="Office Theme" id="{62F939B6-93AF-4DB8-9C6B-D6C7DFDC589F}" vid="{4A3C46E8-61CC-4603-A589-7422A47A8E4A}"/>
     </a:ext>
   </a:extLst>
 </a:theme>
